--- a/documents/présentation Deploiement Reporting.pptx
+++ b/documents/présentation Deploiement Reporting.pptx
@@ -5,7 +5,7 @@
     <p:sldMasterId id="2147483659" r:id="rId1"/>
   </p:sldMasterIdLst>
   <p:notesMasterIdLst>
-    <p:notesMasterId r:id="rId9"/>
+    <p:notesMasterId r:id="rId10"/>
   </p:notesMasterIdLst>
   <p:sldIdLst>
     <p:sldId id="256" r:id="rId2"/>
@@ -13,8 +13,9 @@
     <p:sldId id="258" r:id="rId4"/>
     <p:sldId id="259" r:id="rId5"/>
     <p:sldId id="260" r:id="rId6"/>
-    <p:sldId id="263" r:id="rId7"/>
-    <p:sldId id="261" r:id="rId8"/>
+    <p:sldId id="264" r:id="rId7"/>
+    <p:sldId id="263" r:id="rId8"/>
+    <p:sldId id="261" r:id="rId9"/>
   </p:sldIdLst>
   <p:sldSz cx="9144000" cy="5143500" type="screen16x9"/>
   <p:notesSz cx="6858000" cy="9144000"/>
@@ -5820,10 +5821,10 @@
               <a:buNone/>
             </a:pPr>
             <a:r>
-              <a:rPr lang="fr"/>
-              <a:t>Projet Reporting</a:t>
+              <a:rPr lang="fr" dirty="0"/>
+              <a:t>Projet Reporting &amp; Deploiement</a:t>
             </a:r>
-            <a:endParaRPr/>
+            <a:endParaRPr dirty="0"/>
           </a:p>
         </p:txBody>
       </p:sp>
@@ -6060,47 +6061,6 @@
           </a:p>
         </p:txBody>
       </p:sp>
-      <p:pic>
-        <p:nvPicPr>
-          <p:cNvPr id="3" name="Image 2">
-            <a:extLst>
-              <a:ext uri="{FF2B5EF4-FFF2-40B4-BE49-F238E27FC236}">
-                <a16:creationId xmlns:a16="http://schemas.microsoft.com/office/drawing/2014/main" id="{E7E093DF-1A77-3E4A-B5A2-7F5166B9E26A}"/>
-              </a:ext>
-            </a:extLst>
-          </p:cNvPr>
-          <p:cNvPicPr>
-            <a:picLocks noChangeAspect="1"/>
-          </p:cNvPicPr>
-          <p:nvPr/>
-        </p:nvPicPr>
-        <p:blipFill>
-          <a:blip r:embed="rId3">
-            <a:clrChange>
-              <a:clrFrom>
-                <a:srgbClr val="F6F6F6"/>
-              </a:clrFrom>
-              <a:clrTo>
-                <a:srgbClr val="F6F6F6">
-                  <a:alpha val="0"/>
-                </a:srgbClr>
-              </a:clrTo>
-            </a:clrChange>
-          </a:blip>
-          <a:stretch>
-            <a:fillRect/>
-          </a:stretch>
-        </p:blipFill>
-        <p:spPr>
-          <a:xfrm>
-            <a:off x="4209319" y="2571749"/>
-            <a:ext cx="3742780" cy="1714173"/>
-          </a:xfrm>
-          <a:prstGeom prst="rect">
-            <a:avLst/>
-          </a:prstGeom>
-        </p:spPr>
-      </p:pic>
       <p:sp>
         <p:nvSpPr>
           <p:cNvPr id="4" name="Ellipse 3">
@@ -6155,6 +6115,53 @@
           </a:p>
         </p:txBody>
       </p:sp>
+      <p:pic>
+        <p:nvPicPr>
+          <p:cNvPr id="1026" name="Picture 2" descr="The Firebase Blog: Firebase expands to become a unified app platform">
+            <a:extLst>
+              <a:ext uri="{FF2B5EF4-FFF2-40B4-BE49-F238E27FC236}">
+                <a16:creationId xmlns:a16="http://schemas.microsoft.com/office/drawing/2014/main" id="{ED128B6C-DB15-44A6-8EFE-F294B6F502C7}"/>
+              </a:ext>
+            </a:extLst>
+          </p:cNvPr>
+          <p:cNvPicPr>
+            <a:picLocks noChangeAspect="1" noChangeArrowheads="1"/>
+          </p:cNvPicPr>
+          <p:nvPr/>
+        </p:nvPicPr>
+        <p:blipFill>
+          <a:blip r:embed="rId3">
+            <a:extLst>
+              <a:ext uri="{28A0092B-C50C-407E-A947-70E740481C1C}">
+                <a14:useLocalDpi xmlns:a14="http://schemas.microsoft.com/office/drawing/2010/main" val="0"/>
+              </a:ext>
+            </a:extLst>
+          </a:blip>
+          <a:srcRect/>
+          <a:stretch>
+            <a:fillRect/>
+          </a:stretch>
+        </p:blipFill>
+        <p:spPr bwMode="auto">
+          <a:xfrm>
+            <a:off x="2470796" y="1582056"/>
+            <a:ext cx="6361504" cy="3260271"/>
+          </a:xfrm>
+          <a:prstGeom prst="rect">
+            <a:avLst/>
+          </a:prstGeom>
+          <a:noFill/>
+          <a:extLst>
+            <a:ext uri="{909E8E84-426E-40DD-AFC4-6F175D3DCCD1}">
+              <a14:hiddenFill xmlns:a14="http://schemas.microsoft.com/office/drawing/2010/main">
+                <a:solidFill>
+                  <a:srgbClr val="FFFFFF"/>
+                </a:solidFill>
+              </a14:hiddenFill>
+            </a:ext>
+          </a:extLst>
+        </p:spPr>
+      </p:pic>
     </p:spTree>
   </p:cSld>
   <p:clrMapOvr>
@@ -6620,6 +6627,131 @@
           <a:p>
             <a:r>
               <a:rPr lang="fr-FR" dirty="0"/>
+              <a:t>III. Analytics – Evènements e-commerce </a:t>
+            </a:r>
+            <a:r>
+              <a:rPr lang="fr-FR" dirty="0" err="1"/>
+              <a:t>purchase</a:t>
+            </a:r>
+            <a:endParaRPr lang="fr-FR" dirty="0"/>
+          </a:p>
+        </p:txBody>
+      </p:sp>
+      <p:pic>
+        <p:nvPicPr>
+          <p:cNvPr id="9" name="Image 8">
+            <a:extLst>
+              <a:ext uri="{FF2B5EF4-FFF2-40B4-BE49-F238E27FC236}">
+                <a16:creationId xmlns:a16="http://schemas.microsoft.com/office/drawing/2014/main" id="{68668ED5-0E4D-4318-B408-C10C02ECD2B3}"/>
+              </a:ext>
+            </a:extLst>
+          </p:cNvPr>
+          <p:cNvPicPr>
+            <a:picLocks noChangeAspect="1"/>
+          </p:cNvPicPr>
+          <p:nvPr/>
+        </p:nvPicPr>
+        <p:blipFill>
+          <a:blip r:embed="rId2"/>
+          <a:stretch>
+            <a:fillRect/>
+          </a:stretch>
+        </p:blipFill>
+        <p:spPr>
+          <a:xfrm>
+            <a:off x="1828800" y="1073180"/>
+            <a:ext cx="7165181" cy="3785378"/>
+          </a:xfrm>
+          <a:prstGeom prst="rect">
+            <a:avLst/>
+          </a:prstGeom>
+        </p:spPr>
+      </p:pic>
+      <p:pic>
+        <p:nvPicPr>
+          <p:cNvPr id="7" name="Image 6">
+            <a:extLst>
+              <a:ext uri="{FF2B5EF4-FFF2-40B4-BE49-F238E27FC236}">
+                <a16:creationId xmlns:a16="http://schemas.microsoft.com/office/drawing/2014/main" id="{B79664BD-7365-4E12-98F8-06F6C601DFA4}"/>
+              </a:ext>
+            </a:extLst>
+          </p:cNvPr>
+          <p:cNvPicPr>
+            <a:picLocks noChangeAspect="1"/>
+          </p:cNvPicPr>
+          <p:nvPr/>
+        </p:nvPicPr>
+        <p:blipFill>
+          <a:blip r:embed="rId3"/>
+          <a:stretch>
+            <a:fillRect/>
+          </a:stretch>
+        </p:blipFill>
+        <p:spPr>
+          <a:xfrm>
+            <a:off x="311700" y="2362200"/>
+            <a:ext cx="2769726" cy="1559719"/>
+          </a:xfrm>
+          <a:prstGeom prst="rect">
+            <a:avLst/>
+          </a:prstGeom>
+        </p:spPr>
+      </p:pic>
+    </p:spTree>
+    <p:extLst>
+      <p:ext uri="{BB962C8B-B14F-4D97-AF65-F5344CB8AC3E}">
+        <p14:creationId xmlns:p14="http://schemas.microsoft.com/office/powerpoint/2010/main" val="2270499357"/>
+      </p:ext>
+    </p:extLst>
+  </p:cSld>
+  <p:clrMapOvr>
+    <a:masterClrMapping/>
+  </p:clrMapOvr>
+</p:sld>
+</file>
+
+<file path=ppt/slides/slide7.xml><?xml version="1.0" encoding="utf-8"?>
+<p:sld xmlns:a="http://schemas.openxmlformats.org/drawingml/2006/main" xmlns:r="http://schemas.openxmlformats.org/officeDocument/2006/relationships" xmlns:p="http://schemas.openxmlformats.org/presentationml/2006/main">
+  <p:cSld>
+    <p:spTree>
+      <p:nvGrpSpPr>
+        <p:cNvPr id="1" name=""/>
+        <p:cNvGrpSpPr/>
+        <p:nvPr/>
+      </p:nvGrpSpPr>
+      <p:grpSpPr>
+        <a:xfrm>
+          <a:off x="0" y="0"/>
+          <a:ext cx="0" cy="0"/>
+          <a:chOff x="0" y="0"/>
+          <a:chExt cx="0" cy="0"/>
+        </a:xfrm>
+      </p:grpSpPr>
+      <p:sp>
+        <p:nvSpPr>
+          <p:cNvPr id="2" name="Titre 1">
+            <a:extLst>
+              <a:ext uri="{FF2B5EF4-FFF2-40B4-BE49-F238E27FC236}">
+                <a16:creationId xmlns:a16="http://schemas.microsoft.com/office/drawing/2014/main" id="{D7844B45-CE48-42E6-9802-16C064CED701}"/>
+              </a:ext>
+            </a:extLst>
+          </p:cNvPr>
+          <p:cNvSpPr>
+            <a:spLocks noGrp="1"/>
+          </p:cNvSpPr>
+          <p:nvPr>
+            <p:ph type="title"/>
+          </p:nvPr>
+        </p:nvSpPr>
+        <p:spPr/>
+        <p:txBody>
+          <a:bodyPr>
+            <a:normAutofit fontScale="90000"/>
+          </a:bodyPr>
+          <a:lstStyle/>
+          <a:p>
+            <a:r>
+              <a:rPr lang="fr-FR" dirty="0"/>
               <a:t>III. Analytics – Evènements géographiques</a:t>
             </a:r>
           </a:p>
@@ -6693,7 +6825,7 @@
 </p:sld>
 </file>
 
-<file path=ppt/slides/slide7.xml><?xml version="1.0" encoding="utf-8"?>
+<file path=ppt/slides/slide8.xml><?xml version="1.0" encoding="utf-8"?>
 <p:sld xmlns:a="http://schemas.openxmlformats.org/drawingml/2006/main" xmlns:r="http://schemas.openxmlformats.org/officeDocument/2006/relationships" xmlns:p="http://schemas.openxmlformats.org/presentationml/2006/main">
   <p:cSld>
     <p:spTree>
@@ -6723,18 +6855,23 @@
             <a:spLocks noGrp="1"/>
           </p:cNvSpPr>
           <p:nvPr>
-            <p:ph type="ctrTitle"/>
+            <p:ph type="title"/>
           </p:nvPr>
         </p:nvSpPr>
-        <p:spPr/>
+        <p:spPr>
+          <a:xfrm>
+            <a:off x="311700" y="840057"/>
+            <a:ext cx="8520600" cy="928768"/>
+          </a:xfrm>
+        </p:spPr>
         <p:txBody>
           <a:bodyPr>
-            <a:normAutofit/>
+            <a:normAutofit fontScale="90000"/>
           </a:bodyPr>
           <a:lstStyle/>
           <a:p>
             <a:r>
-              <a:rPr lang="fr-FR" dirty="0"/>
+              <a:rPr lang="fr-FR" sz="5400" dirty="0"/>
               <a:t>Conclusion</a:t>
             </a:r>
           </a:p>
@@ -6742,10 +6879,10 @@
       </p:sp>
       <p:sp>
         <p:nvSpPr>
-          <p:cNvPr id="3" name="Espace réservé du texte 2">
+          <p:cNvPr id="4" name="Espace réservé du texte 3">
             <a:extLst>
               <a:ext uri="{FF2B5EF4-FFF2-40B4-BE49-F238E27FC236}">
-                <a16:creationId xmlns:a16="http://schemas.microsoft.com/office/drawing/2014/main" id="{F53BEBA5-5A25-C843-8206-5D07E6B8029E}"/>
+                <a16:creationId xmlns:a16="http://schemas.microsoft.com/office/drawing/2014/main" id="{87F531C7-D5AA-4B9C-AE3C-93C4B1006A6C}"/>
               </a:ext>
             </a:extLst>
           </p:cNvPr>
@@ -6753,15 +6890,29 @@
             <a:spLocks noGrp="1"/>
           </p:cNvSpPr>
           <p:nvPr>
-            <p:ph type="subTitle" idx="1"/>
+            <p:ph type="body" idx="1"/>
           </p:nvPr>
         </p:nvSpPr>
-        <p:spPr/>
+        <p:spPr>
+          <a:xfrm>
+            <a:off x="311700" y="2484567"/>
+            <a:ext cx="8520600" cy="1300800"/>
+          </a:xfrm>
+        </p:spPr>
         <p:txBody>
           <a:bodyPr/>
           <a:lstStyle/>
           <a:p>
-            <a:endParaRPr lang="fr-FR" dirty="0"/>
+            <a:r>
+              <a:rPr lang="fr-FR" dirty="0"/>
+              <a:t>Correction des bugs</a:t>
+            </a:r>
+          </a:p>
+          <a:p>
+            <a:r>
+              <a:rPr lang="fr-FR" dirty="0"/>
+              <a:t>Adapter les stratégies marketings </a:t>
+            </a:r>
           </a:p>
         </p:txBody>
       </p:sp>
